--- a/Project management/Meeting record/Team X meeting_1.pptx
+++ b/Project management/Meeting record/Team X meeting_1.pptx
@@ -265,7 +265,7 @@
           <a:p>
             <a:fld id="{E068376E-D376-45A0-A2C8-0274AF789ACF}" type="datetimeFigureOut">
               <a:rPr lang="zh-CN" altLang="en-US" smtClean="0"/>
-              <a:t>2018/9/25</a:t>
+              <a:t>2018/9/27</a:t>
             </a:fld>
             <a:endParaRPr lang="zh-CN" altLang="en-US"/>
           </a:p>
@@ -463,7 +463,7 @@
           <a:p>
             <a:fld id="{E068376E-D376-45A0-A2C8-0274AF789ACF}" type="datetimeFigureOut">
               <a:rPr lang="zh-CN" altLang="en-US" smtClean="0"/>
-              <a:t>2018/9/25</a:t>
+              <a:t>2018/9/27</a:t>
             </a:fld>
             <a:endParaRPr lang="zh-CN" altLang="en-US"/>
           </a:p>
@@ -671,7 +671,7 @@
           <a:p>
             <a:fld id="{E068376E-D376-45A0-A2C8-0274AF789ACF}" type="datetimeFigureOut">
               <a:rPr lang="zh-CN" altLang="en-US" smtClean="0"/>
-              <a:t>2018/9/25</a:t>
+              <a:t>2018/9/27</a:t>
             </a:fld>
             <a:endParaRPr lang="zh-CN" altLang="en-US"/>
           </a:p>
@@ -869,7 +869,7 @@
           <a:p>
             <a:fld id="{E068376E-D376-45A0-A2C8-0274AF789ACF}" type="datetimeFigureOut">
               <a:rPr lang="zh-CN" altLang="en-US" smtClean="0"/>
-              <a:t>2018/9/25</a:t>
+              <a:t>2018/9/27</a:t>
             </a:fld>
             <a:endParaRPr lang="zh-CN" altLang="en-US"/>
           </a:p>
@@ -1144,7 +1144,7 @@
           <a:p>
             <a:fld id="{E068376E-D376-45A0-A2C8-0274AF789ACF}" type="datetimeFigureOut">
               <a:rPr lang="zh-CN" altLang="en-US" smtClean="0"/>
-              <a:t>2018/9/25</a:t>
+              <a:t>2018/9/27</a:t>
             </a:fld>
             <a:endParaRPr lang="zh-CN" altLang="en-US"/>
           </a:p>
@@ -1409,7 +1409,7 @@
           <a:p>
             <a:fld id="{E068376E-D376-45A0-A2C8-0274AF789ACF}" type="datetimeFigureOut">
               <a:rPr lang="zh-CN" altLang="en-US" smtClean="0"/>
-              <a:t>2018/9/25</a:t>
+              <a:t>2018/9/27</a:t>
             </a:fld>
             <a:endParaRPr lang="zh-CN" altLang="en-US"/>
           </a:p>
@@ -1821,7 +1821,7 @@
           <a:p>
             <a:fld id="{E068376E-D376-45A0-A2C8-0274AF789ACF}" type="datetimeFigureOut">
               <a:rPr lang="zh-CN" altLang="en-US" smtClean="0"/>
-              <a:t>2018/9/25</a:t>
+              <a:t>2018/9/27</a:t>
             </a:fld>
             <a:endParaRPr lang="zh-CN" altLang="en-US"/>
           </a:p>
@@ -1962,7 +1962,7 @@
           <a:p>
             <a:fld id="{E068376E-D376-45A0-A2C8-0274AF789ACF}" type="datetimeFigureOut">
               <a:rPr lang="zh-CN" altLang="en-US" smtClean="0"/>
-              <a:t>2018/9/25</a:t>
+              <a:t>2018/9/27</a:t>
             </a:fld>
             <a:endParaRPr lang="zh-CN" altLang="en-US"/>
           </a:p>
@@ -2075,7 +2075,7 @@
           <a:p>
             <a:fld id="{E068376E-D376-45A0-A2C8-0274AF789ACF}" type="datetimeFigureOut">
               <a:rPr lang="zh-CN" altLang="en-US" smtClean="0"/>
-              <a:t>2018/9/25</a:t>
+              <a:t>2018/9/27</a:t>
             </a:fld>
             <a:endParaRPr lang="zh-CN" altLang="en-US"/>
           </a:p>
@@ -2386,7 +2386,7 @@
           <a:p>
             <a:fld id="{E068376E-D376-45A0-A2C8-0274AF789ACF}" type="datetimeFigureOut">
               <a:rPr lang="zh-CN" altLang="en-US" smtClean="0"/>
-              <a:t>2018/9/25</a:t>
+              <a:t>2018/9/27</a:t>
             </a:fld>
             <a:endParaRPr lang="zh-CN" altLang="en-US"/>
           </a:p>
@@ -2674,7 +2674,7 @@
           <a:p>
             <a:fld id="{E068376E-D376-45A0-A2C8-0274AF789ACF}" type="datetimeFigureOut">
               <a:rPr lang="zh-CN" altLang="en-US" smtClean="0"/>
-              <a:t>2018/9/25</a:t>
+              <a:t>2018/9/27</a:t>
             </a:fld>
             <a:endParaRPr lang="zh-CN" altLang="en-US"/>
           </a:p>
@@ -2915,7 +2915,7 @@
           <a:p>
             <a:fld id="{E068376E-D376-45A0-A2C8-0274AF789ACF}" type="datetimeFigureOut">
               <a:rPr lang="zh-CN" altLang="en-US" smtClean="0"/>
-              <a:t>2018/9/25</a:t>
+              <a:t>2018/9/27</a:t>
             </a:fld>
             <a:endParaRPr lang="zh-CN" altLang="en-US"/>
           </a:p>
@@ -3842,10 +3842,18 @@
           <a:lstStyle/>
           <a:p>
             <a:r>
-              <a:rPr lang="en-US" altLang="zh-CN" b="1" u="sng" dirty="0"/>
+              <a:rPr lang="en-US" altLang="zh-CN" b="1" u="sng" dirty="0">
+                <a:solidFill>
+                  <a:srgbClr val="FF0000"/>
+                </a:solidFill>
+              </a:rPr>
               <a:t>Effect drawing</a:t>
             </a:r>
-            <a:endParaRPr lang="zh-CN" altLang="en-US" b="1" u="sng" dirty="0"/>
+            <a:endParaRPr lang="zh-CN" altLang="en-US" b="1" u="sng" dirty="0">
+              <a:solidFill>
+                <a:srgbClr val="FF0000"/>
+              </a:solidFill>
+            </a:endParaRPr>
           </a:p>
         </p:txBody>
       </p:sp>
@@ -4171,7 +4179,7 @@
         </p:blipFill>
         <p:spPr>
           <a:xfrm>
-            <a:off x="4068787" y="5783335"/>
+            <a:off x="4051203" y="5783335"/>
             <a:ext cx="495300" cy="485775"/>
           </a:xfrm>
           <a:prstGeom prst="rect">
